--- a/Figures/Article/Figure_methods/Figure_1.pptx
+++ b/Figures/Article/Figure_methods/Figure_1.pptx
@@ -5,12 +5,13 @@
     <p:sldMasterId id="2147483660" r:id="rId1"/>
   </p:sldMasterIdLst>
   <p:notesMasterIdLst>
-    <p:notesMasterId r:id="rId5"/>
+    <p:notesMasterId r:id="rId6"/>
   </p:notesMasterIdLst>
   <p:sldIdLst>
-    <p:sldId id="258" r:id="rId2"/>
-    <p:sldId id="256" r:id="rId3"/>
-    <p:sldId id="259" r:id="rId4"/>
+    <p:sldId id="256" r:id="rId2"/>
+    <p:sldId id="258" r:id="rId3"/>
+    <p:sldId id="260" r:id="rId4"/>
+    <p:sldId id="259" r:id="rId5"/>
   </p:sldIdLst>
   <p:sldSz cx="14630400" cy="10972800"/>
   <p:notesSz cx="6858000" cy="9144000"/>
@@ -211,7 +212,7 @@
           <a:p>
             <a:fld id="{A31A5FF3-FE80-47B3-88E0-040C1D010325}" type="datetimeFigureOut">
               <a:rPr lang="en-US" smtClean="0"/>
-              <a:t>25-Feb-20</a:t>
+              <a:t>03-Mar-20</a:t>
             </a:fld>
             <a:endParaRPr lang="en-US"/>
           </a:p>
@@ -609,7 +610,7 @@
           <a:p>
             <a:fld id="{AAFA2846-4265-4BB4-BEDC-CA868F4EDCC5}" type="datetimeFigureOut">
               <a:rPr lang="en-US" smtClean="0"/>
-              <a:t>25-Feb-20</a:t>
+              <a:t>03-Mar-20</a:t>
             </a:fld>
             <a:endParaRPr lang="en-US"/>
           </a:p>
@@ -779,7 +780,7 @@
           <a:p>
             <a:fld id="{AAFA2846-4265-4BB4-BEDC-CA868F4EDCC5}" type="datetimeFigureOut">
               <a:rPr lang="en-US" smtClean="0"/>
-              <a:t>25-Feb-20</a:t>
+              <a:t>03-Mar-20</a:t>
             </a:fld>
             <a:endParaRPr lang="en-US"/>
           </a:p>
@@ -959,7 +960,7 @@
           <a:p>
             <a:fld id="{AAFA2846-4265-4BB4-BEDC-CA868F4EDCC5}" type="datetimeFigureOut">
               <a:rPr lang="en-US" smtClean="0"/>
-              <a:t>25-Feb-20</a:t>
+              <a:t>03-Mar-20</a:t>
             </a:fld>
             <a:endParaRPr lang="en-US"/>
           </a:p>
@@ -1129,7 +1130,7 @@
           <a:p>
             <a:fld id="{AAFA2846-4265-4BB4-BEDC-CA868F4EDCC5}" type="datetimeFigureOut">
               <a:rPr lang="en-US" smtClean="0"/>
-              <a:t>25-Feb-20</a:t>
+              <a:t>03-Mar-20</a:t>
             </a:fld>
             <a:endParaRPr lang="en-US"/>
           </a:p>
@@ -1373,7 +1374,7 @@
           <a:p>
             <a:fld id="{AAFA2846-4265-4BB4-BEDC-CA868F4EDCC5}" type="datetimeFigureOut">
               <a:rPr lang="en-US" smtClean="0"/>
-              <a:t>25-Feb-20</a:t>
+              <a:t>03-Mar-20</a:t>
             </a:fld>
             <a:endParaRPr lang="en-US"/>
           </a:p>
@@ -1605,7 +1606,7 @@
           <a:p>
             <a:fld id="{AAFA2846-4265-4BB4-BEDC-CA868F4EDCC5}" type="datetimeFigureOut">
               <a:rPr lang="en-US" smtClean="0"/>
-              <a:t>25-Feb-20</a:t>
+              <a:t>03-Mar-20</a:t>
             </a:fld>
             <a:endParaRPr lang="en-US"/>
           </a:p>
@@ -1972,7 +1973,7 @@
           <a:p>
             <a:fld id="{AAFA2846-4265-4BB4-BEDC-CA868F4EDCC5}" type="datetimeFigureOut">
               <a:rPr lang="en-US" smtClean="0"/>
-              <a:t>25-Feb-20</a:t>
+              <a:t>03-Mar-20</a:t>
             </a:fld>
             <a:endParaRPr lang="en-US"/>
           </a:p>
@@ -2090,7 +2091,7 @@
           <a:p>
             <a:fld id="{AAFA2846-4265-4BB4-BEDC-CA868F4EDCC5}" type="datetimeFigureOut">
               <a:rPr lang="en-US" smtClean="0"/>
-              <a:t>25-Feb-20</a:t>
+              <a:t>03-Mar-20</a:t>
             </a:fld>
             <a:endParaRPr lang="en-US"/>
           </a:p>
@@ -2185,7 +2186,7 @@
           <a:p>
             <a:fld id="{AAFA2846-4265-4BB4-BEDC-CA868F4EDCC5}" type="datetimeFigureOut">
               <a:rPr lang="en-US" smtClean="0"/>
-              <a:t>25-Feb-20</a:t>
+              <a:t>03-Mar-20</a:t>
             </a:fld>
             <a:endParaRPr lang="en-US"/>
           </a:p>
@@ -2462,7 +2463,7 @@
           <a:p>
             <a:fld id="{AAFA2846-4265-4BB4-BEDC-CA868F4EDCC5}" type="datetimeFigureOut">
               <a:rPr lang="en-US" smtClean="0"/>
-              <a:t>25-Feb-20</a:t>
+              <a:t>03-Mar-20</a:t>
             </a:fld>
             <a:endParaRPr lang="en-US"/>
           </a:p>
@@ -2719,7 +2720,7 @@
           <a:p>
             <a:fld id="{AAFA2846-4265-4BB4-BEDC-CA868F4EDCC5}" type="datetimeFigureOut">
               <a:rPr lang="en-US" smtClean="0"/>
-              <a:t>25-Feb-20</a:t>
+              <a:t>03-Mar-20</a:t>
             </a:fld>
             <a:endParaRPr lang="en-US"/>
           </a:p>
@@ -2932,7 +2933,7 @@
           <a:p>
             <a:fld id="{AAFA2846-4265-4BB4-BEDC-CA868F4EDCC5}" type="datetimeFigureOut">
               <a:rPr lang="en-US" smtClean="0"/>
-              <a:t>25-Feb-20</a:t>
+              <a:t>03-Mar-20</a:t>
             </a:fld>
             <a:endParaRPr lang="en-US"/>
           </a:p>
@@ -3321,6 +3322,611 @@
 </file>
 
 <file path=ppt/slides/slide1.xml><?xml version="1.0" encoding="utf-8"?>
+<p:sld xmlns:a="http://schemas.openxmlformats.org/drawingml/2006/main" xmlns:r="http://schemas.openxmlformats.org/officeDocument/2006/relationships" xmlns:p="http://schemas.openxmlformats.org/presentationml/2006/main">
+  <p:cSld>
+    <p:spTree>
+      <p:nvGrpSpPr>
+        <p:cNvPr id="1" name=""/>
+        <p:cNvGrpSpPr/>
+        <p:nvPr/>
+      </p:nvGrpSpPr>
+      <p:grpSpPr>
+        <a:xfrm>
+          <a:off x="0" y="0"/>
+          <a:ext cx="0" cy="0"/>
+          <a:chOff x="0" y="0"/>
+          <a:chExt cx="0" cy="0"/>
+        </a:xfrm>
+      </p:grpSpPr>
+      <p:grpSp>
+        <p:nvGrpSpPr>
+          <p:cNvPr id="16" name="Group 15">
+            <a:extLst>
+              <a:ext uri="{FF2B5EF4-FFF2-40B4-BE49-F238E27FC236}">
+                <a16:creationId xmlns:a16="http://schemas.microsoft.com/office/drawing/2014/main" id="{EE9343A5-41FB-4198-A82C-C946F69687B3}"/>
+              </a:ext>
+            </a:extLst>
+          </p:cNvPr>
+          <p:cNvGrpSpPr/>
+          <p:nvPr/>
+        </p:nvGrpSpPr>
+        <p:grpSpPr>
+          <a:xfrm>
+            <a:off x="420998" y="1940396"/>
+            <a:ext cx="7447054" cy="6966325"/>
+            <a:chOff x="420998" y="1940396"/>
+            <a:chExt cx="7447054" cy="6966325"/>
+          </a:xfrm>
+        </p:grpSpPr>
+        <p:pic>
+          <p:nvPicPr>
+            <p:cNvPr id="7" name="Picture 6">
+              <a:extLst>
+                <a:ext uri="{FF2B5EF4-FFF2-40B4-BE49-F238E27FC236}">
+                  <a16:creationId xmlns:a16="http://schemas.microsoft.com/office/drawing/2014/main" id="{B1C57489-EDD8-4DB0-8731-67724DE8EB44}"/>
+                </a:ext>
+              </a:extLst>
+            </p:cNvPr>
+            <p:cNvPicPr>
+              <a:picLocks noChangeAspect="1"/>
+            </p:cNvPicPr>
+            <p:nvPr/>
+          </p:nvPicPr>
+          <p:blipFill rotWithShape="1">
+            <a:blip r:embed="rId2">
+              <a:extLst>
+                <a:ext uri="{28A0092B-C50C-407E-A947-70E740481C1C}">
+                  <a14:useLocalDpi xmlns:a14="http://schemas.microsoft.com/office/drawing/2010/main" val="0"/>
+                </a:ext>
+              </a:extLst>
+            </a:blip>
+            <a:srcRect l="24331" t="15499" r="25771" b="43548"/>
+            <a:stretch/>
+          </p:blipFill>
+          <p:spPr>
+            <a:xfrm>
+              <a:off x="420998" y="5486400"/>
+              <a:ext cx="7300272" cy="3370217"/>
+            </a:xfrm>
+            <a:prstGeom prst="rect">
+              <a:avLst/>
+            </a:prstGeom>
+          </p:spPr>
+        </p:pic>
+        <p:pic>
+          <p:nvPicPr>
+            <p:cNvPr id="5" name="Picture 4">
+              <a:extLst>
+                <a:ext uri="{FF2B5EF4-FFF2-40B4-BE49-F238E27FC236}">
+                  <a16:creationId xmlns:a16="http://schemas.microsoft.com/office/drawing/2014/main" id="{72B4F8EC-BE6A-42F9-9538-BBB47DCBAC62}"/>
+                </a:ext>
+              </a:extLst>
+            </p:cNvPr>
+            <p:cNvPicPr>
+              <a:picLocks noChangeAspect="1"/>
+            </p:cNvPicPr>
+            <p:nvPr/>
+          </p:nvPicPr>
+          <p:blipFill rotWithShape="1">
+            <a:blip r:embed="rId3">
+              <a:extLst>
+                <a:ext uri="{28A0092B-C50C-407E-A947-70E740481C1C}">
+                  <a14:useLocalDpi xmlns:a14="http://schemas.microsoft.com/office/drawing/2010/main" val="0"/>
+                </a:ext>
+              </a:extLst>
+            </a:blip>
+            <a:srcRect l="24261" t="14694" r="25599" b="46394"/>
+            <a:stretch/>
+          </p:blipFill>
+          <p:spPr>
+            <a:xfrm>
+              <a:off x="420998" y="1940396"/>
+              <a:ext cx="7335857" cy="3202266"/>
+            </a:xfrm>
+            <a:prstGeom prst="rect">
+              <a:avLst/>
+            </a:prstGeom>
+          </p:spPr>
+        </p:pic>
+        <p:sp>
+          <p:nvSpPr>
+            <p:cNvPr id="11" name="Google Shape;63;p14">
+              <a:extLst>
+                <a:ext uri="{FF2B5EF4-FFF2-40B4-BE49-F238E27FC236}">
+                  <a16:creationId xmlns:a16="http://schemas.microsoft.com/office/drawing/2014/main" id="{BC35D9A8-C7BB-4B08-8999-C6F991D28CA8}"/>
+                </a:ext>
+              </a:extLst>
+            </p:cNvPr>
+            <p:cNvSpPr/>
+            <p:nvPr/>
+          </p:nvSpPr>
+          <p:spPr>
+            <a:xfrm>
+              <a:off x="420998" y="1940396"/>
+              <a:ext cx="7335857" cy="3415743"/>
+            </a:xfrm>
+            <a:prstGeom prst="rect">
+              <a:avLst/>
+            </a:prstGeom>
+            <a:noFill/>
+            <a:ln w="9525" cap="flat" cmpd="sng">
+              <a:solidFill>
+                <a:srgbClr val="595959"/>
+              </a:solidFill>
+              <a:prstDash val="dot"/>
+              <a:round/>
+              <a:headEnd type="none" w="sm" len="sm"/>
+              <a:tailEnd type="none" w="sm" len="sm"/>
+            </a:ln>
+          </p:spPr>
+          <p:txBody>
+            <a:bodyPr spcFirstLastPara="1" wrap="square" lIns="91425" tIns="91425" rIns="91425" bIns="91425" anchor="ctr" anchorCtr="0">
+              <a:noAutofit/>
+            </a:bodyPr>
+            <a:lstStyle/>
+            <a:p>
+              <a:pPr marL="0" lvl="0" indent="0" algn="l" rtl="0">
+                <a:spcBef>
+                  <a:spcPts val="0"/>
+                </a:spcBef>
+                <a:spcAft>
+                  <a:spcPts val="0"/>
+                </a:spcAft>
+                <a:buNone/>
+              </a:pPr>
+              <a:endParaRPr/>
+            </a:p>
+          </p:txBody>
+        </p:sp>
+        <p:sp>
+          <p:nvSpPr>
+            <p:cNvPr id="14" name="Google Shape;63;p14">
+              <a:extLst>
+                <a:ext uri="{FF2B5EF4-FFF2-40B4-BE49-F238E27FC236}">
+                  <a16:creationId xmlns:a16="http://schemas.microsoft.com/office/drawing/2014/main" id="{B18E1301-49CE-40AD-8852-539BBA6679B2}"/>
+                </a:ext>
+              </a:extLst>
+            </p:cNvPr>
+            <p:cNvSpPr/>
+            <p:nvPr/>
+          </p:nvSpPr>
+          <p:spPr>
+            <a:xfrm>
+              <a:off x="420998" y="5440873"/>
+              <a:ext cx="7335857" cy="3415743"/>
+            </a:xfrm>
+            <a:prstGeom prst="rect">
+              <a:avLst/>
+            </a:prstGeom>
+            <a:noFill/>
+            <a:ln w="9525" cap="flat" cmpd="sng">
+              <a:solidFill>
+                <a:srgbClr val="595959"/>
+              </a:solidFill>
+              <a:prstDash val="dot"/>
+              <a:round/>
+              <a:headEnd type="none" w="sm" len="sm"/>
+              <a:tailEnd type="none" w="sm" len="sm"/>
+            </a:ln>
+          </p:spPr>
+          <p:txBody>
+            <a:bodyPr spcFirstLastPara="1" wrap="square" lIns="91425" tIns="91425" rIns="91425" bIns="91425" anchor="ctr" anchorCtr="0">
+              <a:noAutofit/>
+            </a:bodyPr>
+            <a:lstStyle/>
+            <a:p>
+              <a:pPr marL="0" lvl="0" indent="0" algn="l" rtl="0">
+                <a:spcBef>
+                  <a:spcPts val="0"/>
+                </a:spcBef>
+                <a:spcAft>
+                  <a:spcPts val="0"/>
+                </a:spcAft>
+                <a:buNone/>
+              </a:pPr>
+              <a:endParaRPr/>
+            </a:p>
+          </p:txBody>
+        </p:sp>
+        <p:sp>
+          <p:nvSpPr>
+            <p:cNvPr id="15" name="TextBox 14">
+              <a:extLst>
+                <a:ext uri="{FF2B5EF4-FFF2-40B4-BE49-F238E27FC236}">
+                  <a16:creationId xmlns:a16="http://schemas.microsoft.com/office/drawing/2014/main" id="{5A91FF78-6BCD-4FCC-A037-297E5E2E601C}"/>
+                </a:ext>
+              </a:extLst>
+            </p:cNvPr>
+            <p:cNvSpPr txBox="1"/>
+            <p:nvPr/>
+          </p:nvSpPr>
+          <p:spPr>
+            <a:xfrm>
+              <a:off x="7166427" y="5012186"/>
+              <a:ext cx="701625" cy="369332"/>
+            </a:xfrm>
+            <a:prstGeom prst="rect">
+              <a:avLst/>
+            </a:prstGeom>
+            <a:noFill/>
+          </p:spPr>
+          <p:txBody>
+            <a:bodyPr wrap="square" rtlCol="0">
+              <a:spAutoFit/>
+            </a:bodyPr>
+            <a:lstStyle/>
+            <a:p>
+              <a:pPr algn="ctr"/>
+              <a:r>
+                <a:rPr lang="en-US" b="1" dirty="0"/>
+                <a:t>A</a:t>
+              </a:r>
+            </a:p>
+          </p:txBody>
+        </p:sp>
+        <p:sp>
+          <p:nvSpPr>
+            <p:cNvPr id="17" name="TextBox 16">
+              <a:extLst>
+                <a:ext uri="{FF2B5EF4-FFF2-40B4-BE49-F238E27FC236}">
+                  <a16:creationId xmlns:a16="http://schemas.microsoft.com/office/drawing/2014/main" id="{4832F7D6-AD46-4673-8C97-69B50455C835}"/>
+                </a:ext>
+              </a:extLst>
+            </p:cNvPr>
+            <p:cNvSpPr txBox="1"/>
+            <p:nvPr/>
+          </p:nvSpPr>
+          <p:spPr>
+            <a:xfrm>
+              <a:off x="7166427" y="8537389"/>
+              <a:ext cx="701625" cy="369332"/>
+            </a:xfrm>
+            <a:prstGeom prst="rect">
+              <a:avLst/>
+            </a:prstGeom>
+            <a:noFill/>
+          </p:spPr>
+          <p:txBody>
+            <a:bodyPr wrap="square" rtlCol="0">
+              <a:spAutoFit/>
+            </a:bodyPr>
+            <a:lstStyle/>
+            <a:p>
+              <a:pPr algn="ctr"/>
+              <a:r>
+                <a:rPr lang="en-US" b="1" dirty="0"/>
+                <a:t>B</a:t>
+              </a:r>
+            </a:p>
+          </p:txBody>
+        </p:sp>
+      </p:grpSp>
+      <p:sp>
+        <p:nvSpPr>
+          <p:cNvPr id="8" name="TextBox 7">
+            <a:extLst>
+              <a:ext uri="{FF2B5EF4-FFF2-40B4-BE49-F238E27FC236}">
+                <a16:creationId xmlns:a16="http://schemas.microsoft.com/office/drawing/2014/main" id="{7687943A-EEA6-47D6-AAF1-BA60B58619AC}"/>
+              </a:ext>
+            </a:extLst>
+          </p:cNvPr>
+          <p:cNvSpPr txBox="1"/>
+          <p:nvPr/>
+        </p:nvSpPr>
+        <p:spPr>
+          <a:xfrm>
+            <a:off x="8720256" y="2947420"/>
+            <a:ext cx="2129882" cy="523220"/>
+          </a:xfrm>
+          <a:prstGeom prst="rect">
+            <a:avLst/>
+          </a:prstGeom>
+          <a:noFill/>
+        </p:spPr>
+        <p:txBody>
+          <a:bodyPr wrap="square" rtlCol="0">
+            <a:spAutoFit/>
+          </a:bodyPr>
+          <a:lstStyle/>
+          <a:p>
+            <a:r>
+              <a:rPr lang="en-US" sz="1400" b="1" dirty="0">
+                <a:solidFill>
+                  <a:srgbClr val="1B9E77"/>
+                </a:solidFill>
+                <a:latin typeface="Arial" panose="020B0604020202020204" pitchFamily="34" charset="0"/>
+                <a:cs typeface="Arial" panose="020B0604020202020204" pitchFamily="34" charset="0"/>
+              </a:rPr>
+              <a:t>Protein processing in endoplasmic reticulum</a:t>
+            </a:r>
+            <a:endParaRPr lang="en-US" sz="1200" b="1" dirty="0">
+              <a:solidFill>
+                <a:srgbClr val="1B9E77"/>
+              </a:solidFill>
+              <a:latin typeface="Arial" panose="020B0604020202020204" pitchFamily="34" charset="0"/>
+              <a:cs typeface="Arial" panose="020B0604020202020204" pitchFamily="34" charset="0"/>
+            </a:endParaRPr>
+          </a:p>
+        </p:txBody>
+      </p:sp>
+      <p:sp>
+        <p:nvSpPr>
+          <p:cNvPr id="9" name="TextBox 8">
+            <a:extLst>
+              <a:ext uri="{FF2B5EF4-FFF2-40B4-BE49-F238E27FC236}">
+                <a16:creationId xmlns:a16="http://schemas.microsoft.com/office/drawing/2014/main" id="{B8BC39BF-2740-4FC1-9CDB-C3451AEF3755}"/>
+              </a:ext>
+            </a:extLst>
+          </p:cNvPr>
+          <p:cNvSpPr txBox="1"/>
+          <p:nvPr/>
+        </p:nvSpPr>
+        <p:spPr>
+          <a:xfrm>
+            <a:off x="8720257" y="4426897"/>
+            <a:ext cx="1940310" cy="523220"/>
+          </a:xfrm>
+          <a:prstGeom prst="rect">
+            <a:avLst/>
+          </a:prstGeom>
+          <a:noFill/>
+        </p:spPr>
+        <p:txBody>
+          <a:bodyPr wrap="square" rtlCol="0">
+            <a:spAutoFit/>
+          </a:bodyPr>
+          <a:lstStyle/>
+          <a:p>
+            <a:r>
+              <a:rPr lang="en-US" sz="1400" b="1" dirty="0">
+                <a:solidFill>
+                  <a:srgbClr val="D95F02"/>
+                </a:solidFill>
+                <a:latin typeface="Arial" panose="020B0604020202020204" pitchFamily="34" charset="0"/>
+                <a:cs typeface="Arial" panose="020B0604020202020204" pitchFamily="34" charset="0"/>
+              </a:rPr>
+              <a:t>Regulation of actin cytoskeleton</a:t>
+            </a:r>
+            <a:endParaRPr lang="en-US" sz="1200" b="1" dirty="0">
+              <a:solidFill>
+                <a:srgbClr val="D95F02"/>
+              </a:solidFill>
+              <a:latin typeface="Arial" panose="020B0604020202020204" pitchFamily="34" charset="0"/>
+              <a:cs typeface="Arial" panose="020B0604020202020204" pitchFamily="34" charset="0"/>
+            </a:endParaRPr>
+          </a:p>
+        </p:txBody>
+      </p:sp>
+      <p:sp>
+        <p:nvSpPr>
+          <p:cNvPr id="10" name="TextBox 9">
+            <a:extLst>
+              <a:ext uri="{FF2B5EF4-FFF2-40B4-BE49-F238E27FC236}">
+                <a16:creationId xmlns:a16="http://schemas.microsoft.com/office/drawing/2014/main" id="{C594FEDA-1026-4A8A-8585-A0B9589F6668}"/>
+              </a:ext>
+            </a:extLst>
+          </p:cNvPr>
+          <p:cNvSpPr txBox="1"/>
+          <p:nvPr/>
+        </p:nvSpPr>
+        <p:spPr>
+          <a:xfrm>
+            <a:off x="8720256" y="7398779"/>
+            <a:ext cx="1750918" cy="523220"/>
+          </a:xfrm>
+          <a:prstGeom prst="rect">
+            <a:avLst/>
+          </a:prstGeom>
+          <a:noFill/>
+        </p:spPr>
+        <p:txBody>
+          <a:bodyPr wrap="square" rtlCol="0">
+            <a:spAutoFit/>
+          </a:bodyPr>
+          <a:lstStyle/>
+          <a:p>
+            <a:r>
+              <a:rPr lang="en-US" sz="1400" b="1" dirty="0">
+                <a:solidFill>
+                  <a:srgbClr val="E7298A"/>
+                </a:solidFill>
+                <a:latin typeface="Arial" panose="020B0604020202020204" pitchFamily="34" charset="0"/>
+                <a:cs typeface="Arial" panose="020B0604020202020204" pitchFamily="34" charset="0"/>
+              </a:rPr>
+              <a:t>Bacterial invasion of epithelial cells </a:t>
+            </a:r>
+            <a:endParaRPr lang="en-US" sz="1200" b="1" dirty="0">
+              <a:solidFill>
+                <a:srgbClr val="E7298A"/>
+              </a:solidFill>
+              <a:latin typeface="Arial" panose="020B0604020202020204" pitchFamily="34" charset="0"/>
+              <a:cs typeface="Arial" panose="020B0604020202020204" pitchFamily="34" charset="0"/>
+            </a:endParaRPr>
+          </a:p>
+        </p:txBody>
+      </p:sp>
+      <p:sp>
+        <p:nvSpPr>
+          <p:cNvPr id="12" name="TextBox 11">
+            <a:extLst>
+              <a:ext uri="{FF2B5EF4-FFF2-40B4-BE49-F238E27FC236}">
+                <a16:creationId xmlns:a16="http://schemas.microsoft.com/office/drawing/2014/main" id="{1564D88B-3922-4FD4-9AB4-77E078F25493}"/>
+              </a:ext>
+            </a:extLst>
+          </p:cNvPr>
+          <p:cNvSpPr txBox="1"/>
+          <p:nvPr/>
+        </p:nvSpPr>
+        <p:spPr>
+          <a:xfrm>
+            <a:off x="8720257" y="6010587"/>
+            <a:ext cx="1750918" cy="307777"/>
+          </a:xfrm>
+          <a:prstGeom prst="rect">
+            <a:avLst/>
+          </a:prstGeom>
+          <a:noFill/>
+        </p:spPr>
+        <p:txBody>
+          <a:bodyPr wrap="square" rtlCol="0">
+            <a:spAutoFit/>
+          </a:bodyPr>
+          <a:lstStyle/>
+          <a:p>
+            <a:r>
+              <a:rPr lang="en-US" sz="1400" b="1" dirty="0">
+                <a:solidFill>
+                  <a:srgbClr val="E6AB02"/>
+                </a:solidFill>
+                <a:latin typeface="Arial" panose="020B0604020202020204" pitchFamily="34" charset="0"/>
+                <a:cs typeface="Arial" panose="020B0604020202020204" pitchFamily="34" charset="0"/>
+              </a:rPr>
+              <a:t>Axon guidance</a:t>
+            </a:r>
+            <a:endParaRPr lang="en-US" sz="1200" b="1" dirty="0">
+              <a:solidFill>
+                <a:srgbClr val="E6AB02"/>
+              </a:solidFill>
+              <a:latin typeface="Arial" panose="020B0604020202020204" pitchFamily="34" charset="0"/>
+              <a:cs typeface="Arial" panose="020B0604020202020204" pitchFamily="34" charset="0"/>
+            </a:endParaRPr>
+          </a:p>
+        </p:txBody>
+      </p:sp>
+      <p:pic>
+        <p:nvPicPr>
+          <p:cNvPr id="2" name="Picture 1">
+            <a:extLst>
+              <a:ext uri="{FF2B5EF4-FFF2-40B4-BE49-F238E27FC236}">
+                <a16:creationId xmlns:a16="http://schemas.microsoft.com/office/drawing/2014/main" id="{D06B59C2-3B14-4CCA-8234-2ED022F6889C}"/>
+              </a:ext>
+            </a:extLst>
+          </p:cNvPr>
+          <p:cNvPicPr>
+            <a:picLocks/>
+          </p:cNvPicPr>
+          <p:nvPr/>
+        </p:nvPicPr>
+        <p:blipFill>
+          <a:blip r:embed="rId4"/>
+          <a:stretch>
+            <a:fillRect/>
+          </a:stretch>
+        </p:blipFill>
+        <p:spPr>
+          <a:xfrm>
+            <a:off x="8109537" y="4473733"/>
+            <a:ext cx="457200" cy="457200"/>
+          </a:xfrm>
+          <a:prstGeom prst="rect">
+            <a:avLst/>
+          </a:prstGeom>
+        </p:spPr>
+      </p:pic>
+      <p:pic>
+        <p:nvPicPr>
+          <p:cNvPr id="3" name="Picture 2">
+            <a:extLst>
+              <a:ext uri="{FF2B5EF4-FFF2-40B4-BE49-F238E27FC236}">
+                <a16:creationId xmlns:a16="http://schemas.microsoft.com/office/drawing/2014/main" id="{10747676-0785-4BE0-AEED-5046FDFAC1E5}"/>
+              </a:ext>
+            </a:extLst>
+          </p:cNvPr>
+          <p:cNvPicPr>
+            <a:picLocks/>
+          </p:cNvPicPr>
+          <p:nvPr/>
+        </p:nvPicPr>
+        <p:blipFill>
+          <a:blip r:embed="rId5"/>
+          <a:stretch>
+            <a:fillRect/>
+          </a:stretch>
+        </p:blipFill>
+        <p:spPr>
+          <a:xfrm>
+            <a:off x="8109537" y="5961236"/>
+            <a:ext cx="457200" cy="457200"/>
+          </a:xfrm>
+          <a:prstGeom prst="rect">
+            <a:avLst/>
+          </a:prstGeom>
+        </p:spPr>
+      </p:pic>
+      <p:pic>
+        <p:nvPicPr>
+          <p:cNvPr id="4" name="Picture 3">
+            <a:extLst>
+              <a:ext uri="{FF2B5EF4-FFF2-40B4-BE49-F238E27FC236}">
+                <a16:creationId xmlns:a16="http://schemas.microsoft.com/office/drawing/2014/main" id="{6AD84CE7-EC4E-4603-A6E8-CC922D67ADCD}"/>
+              </a:ext>
+            </a:extLst>
+          </p:cNvPr>
+          <p:cNvPicPr>
+            <a:picLocks/>
+          </p:cNvPicPr>
+          <p:nvPr/>
+        </p:nvPicPr>
+        <p:blipFill>
+          <a:blip r:embed="rId6"/>
+          <a:stretch>
+            <a:fillRect/>
+          </a:stretch>
+        </p:blipFill>
+        <p:spPr>
+          <a:xfrm>
+            <a:off x="8109537" y="7448740"/>
+            <a:ext cx="457200" cy="457200"/>
+          </a:xfrm>
+          <a:prstGeom prst="rect">
+            <a:avLst/>
+          </a:prstGeom>
+        </p:spPr>
+      </p:pic>
+      <p:pic>
+        <p:nvPicPr>
+          <p:cNvPr id="6" name="Picture 5">
+            <a:extLst>
+              <a:ext uri="{FF2B5EF4-FFF2-40B4-BE49-F238E27FC236}">
+                <a16:creationId xmlns:a16="http://schemas.microsoft.com/office/drawing/2014/main" id="{BAD5F898-27BE-4BE4-AFA1-1388EE336820}"/>
+              </a:ext>
+            </a:extLst>
+          </p:cNvPr>
+          <p:cNvPicPr>
+            <a:picLocks/>
+          </p:cNvPicPr>
+          <p:nvPr/>
+        </p:nvPicPr>
+        <p:blipFill>
+          <a:blip r:embed="rId7"/>
+          <a:stretch>
+            <a:fillRect/>
+          </a:stretch>
+        </p:blipFill>
+        <p:spPr>
+          <a:xfrm>
+            <a:off x="8109537" y="2986230"/>
+            <a:ext cx="457200" cy="457200"/>
+          </a:xfrm>
+          <a:prstGeom prst="rect">
+            <a:avLst/>
+          </a:prstGeom>
+        </p:spPr>
+      </p:pic>
+    </p:spTree>
+    <p:extLst>
+      <p:ext uri="{BB962C8B-B14F-4D97-AF65-F5344CB8AC3E}">
+        <p14:creationId xmlns:p14="http://schemas.microsoft.com/office/powerpoint/2010/main" val="703110488"/>
+      </p:ext>
+    </p:extLst>
+  </p:cSld>
+  <p:clrMapOvr>
+    <a:masterClrMapping/>
+  </p:clrMapOvr>
+</p:sld>
+</file>
+
+<file path=ppt/slides/slide2.xml><?xml version="1.0" encoding="utf-8"?>
 <p:sld xmlns:a="http://schemas.openxmlformats.org/drawingml/2006/main" xmlns:r="http://schemas.openxmlformats.org/officeDocument/2006/relationships" xmlns:p="http://schemas.openxmlformats.org/presentationml/2006/main">
   <p:cSld>
     <p:spTree>
@@ -13384,7 +13990,7 @@
 </p:sld>
 </file>
 
-<file path=ppt/slides/slide2.xml><?xml version="1.0" encoding="utf-8"?>
+<file path=ppt/slides/slide3.xml><?xml version="1.0" encoding="utf-8"?>
 <p:sld xmlns:a="http://schemas.openxmlformats.org/drawingml/2006/main" xmlns:r="http://schemas.openxmlformats.org/officeDocument/2006/relationships" xmlns:p="http://schemas.openxmlformats.org/presentationml/2006/main">
   <p:cSld>
     <p:spTree>
@@ -13403,10 +14009,10 @@
       </p:grpSpPr>
       <p:pic>
         <p:nvPicPr>
-          <p:cNvPr id="4" name="Picture 3">
-            <a:extLst>
-              <a:ext uri="{FF2B5EF4-FFF2-40B4-BE49-F238E27FC236}">
-                <a16:creationId xmlns:a16="http://schemas.microsoft.com/office/drawing/2014/main" id="{ED2D6B54-74F6-4596-A3DB-423E1C588581}"/>
+          <p:cNvPr id="27" name="Picture 26">
+            <a:extLst>
+              <a:ext uri="{FF2B5EF4-FFF2-40B4-BE49-F238E27FC236}">
+                <a16:creationId xmlns:a16="http://schemas.microsoft.com/office/drawing/2014/main" id="{472E033E-B015-44E7-A78C-EC0C575E7554}"/>
               </a:ext>
             </a:extLst>
           </p:cNvPr>
@@ -13423,8 +14029,8 @@
         </p:blipFill>
         <p:spPr>
           <a:xfrm>
-            <a:off x="8496616" y="2244456"/>
-            <a:ext cx="2853011" cy="2807622"/>
+            <a:off x="725875" y="6873212"/>
+            <a:ext cx="2085975" cy="2438400"/>
           </a:xfrm>
           <a:prstGeom prst="rect">
             <a:avLst/>
@@ -13433,10 +14039,10 @@
       </p:pic>
       <p:pic>
         <p:nvPicPr>
-          <p:cNvPr id="7" name="Picture 6">
-            <a:extLst>
-              <a:ext uri="{FF2B5EF4-FFF2-40B4-BE49-F238E27FC236}">
-                <a16:creationId xmlns:a16="http://schemas.microsoft.com/office/drawing/2014/main" id="{B1C57489-EDD8-4DB0-8731-67724DE8EB44}"/>
+          <p:cNvPr id="10" name="Picture 9">
+            <a:extLst>
+              <a:ext uri="{FF2B5EF4-FFF2-40B4-BE49-F238E27FC236}">
+                <a16:creationId xmlns:a16="http://schemas.microsoft.com/office/drawing/2014/main" id="{D9A3F1C2-D84B-4265-BC54-0EF99A497161}"/>
               </a:ext>
             </a:extLst>
           </p:cNvPr>
@@ -13445,21 +14051,16 @@
           </p:cNvPicPr>
           <p:nvPr/>
         </p:nvPicPr>
-        <p:blipFill rotWithShape="1">
-          <a:blip r:embed="rId3">
-            <a:extLst>
-              <a:ext uri="{28A0092B-C50C-407E-A947-70E740481C1C}">
-                <a14:useLocalDpi xmlns:a14="http://schemas.microsoft.com/office/drawing/2010/main" val="0"/>
-              </a:ext>
-            </a:extLst>
-          </a:blip>
-          <a:srcRect l="24331" t="15499" r="25771" b="43548"/>
-          <a:stretch/>
+        <p:blipFill>
+          <a:blip r:embed="rId3"/>
+          <a:stretch>
+            <a:fillRect/>
+          </a:stretch>
         </p:blipFill>
         <p:spPr>
           <a:xfrm>
-            <a:off x="420998" y="5486400"/>
-            <a:ext cx="7300272" cy="3370217"/>
+            <a:off x="7916713" y="5595732"/>
+            <a:ext cx="4096901" cy="3802242"/>
           </a:xfrm>
           <a:prstGeom prst="rect">
             <a:avLst/>
@@ -13468,10 +14069,10 @@
       </p:pic>
       <p:pic>
         <p:nvPicPr>
-          <p:cNvPr id="5" name="Picture 4">
-            <a:extLst>
-              <a:ext uri="{FF2B5EF4-FFF2-40B4-BE49-F238E27FC236}">
-                <a16:creationId xmlns:a16="http://schemas.microsoft.com/office/drawing/2014/main" id="{72B4F8EC-BE6A-42F9-9538-BBB47DCBAC62}"/>
+          <p:cNvPr id="8" name="Picture 7">
+            <a:extLst>
+              <a:ext uri="{FF2B5EF4-FFF2-40B4-BE49-F238E27FC236}">
+                <a16:creationId xmlns:a16="http://schemas.microsoft.com/office/drawing/2014/main" id="{C1C7BA75-05D0-4F0D-86DF-CB2565DF727F}"/>
               </a:ext>
             </a:extLst>
           </p:cNvPr>
@@ -13480,21 +14081,16 @@
           </p:cNvPicPr>
           <p:nvPr/>
         </p:nvPicPr>
-        <p:blipFill rotWithShape="1">
-          <a:blip r:embed="rId4">
-            <a:extLst>
-              <a:ext uri="{28A0092B-C50C-407E-A947-70E740481C1C}">
-                <a14:useLocalDpi xmlns:a14="http://schemas.microsoft.com/office/drawing/2010/main" val="0"/>
-              </a:ext>
-            </a:extLst>
-          </a:blip>
-          <a:srcRect l="24261" t="14694" r="25599" b="46394"/>
-          <a:stretch/>
+        <p:blipFill>
+          <a:blip r:embed="rId4"/>
+          <a:stretch>
+            <a:fillRect/>
+          </a:stretch>
         </p:blipFill>
         <p:spPr>
           <a:xfrm>
-            <a:off x="420998" y="1940396"/>
-            <a:ext cx="7335857" cy="3202266"/>
+            <a:off x="7898665" y="349664"/>
+            <a:ext cx="4124638" cy="3797094"/>
           </a:xfrm>
           <a:prstGeom prst="rect">
             <a:avLst/>
@@ -13503,10 +14099,10 @@
       </p:pic>
       <p:pic>
         <p:nvPicPr>
-          <p:cNvPr id="3" name="Picture 2">
-            <a:extLst>
-              <a:ext uri="{FF2B5EF4-FFF2-40B4-BE49-F238E27FC236}">
-                <a16:creationId xmlns:a16="http://schemas.microsoft.com/office/drawing/2014/main" id="{47ACAABC-49C5-4E33-AD12-D23F51BF7C14}"/>
+          <p:cNvPr id="2" name="Picture 1">
+            <a:extLst>
+              <a:ext uri="{FF2B5EF4-FFF2-40B4-BE49-F238E27FC236}">
+                <a16:creationId xmlns:a16="http://schemas.microsoft.com/office/drawing/2014/main" id="{6397D97F-9465-45BD-8D8F-4CC684B09CC7}"/>
               </a:ext>
             </a:extLst>
           </p:cNvPr>
@@ -13523,8 +14119,8 @@
         </p:blipFill>
         <p:spPr>
           <a:xfrm>
-            <a:off x="8259369" y="5738747"/>
-            <a:ext cx="3327503" cy="2865522"/>
+            <a:off x="530086" y="566743"/>
+            <a:ext cx="3371750" cy="3032540"/>
           </a:xfrm>
           <a:prstGeom prst="rect">
             <a:avLst/>
@@ -13545,8 +14141,8 @@
         </p:nvSpPr>
         <p:spPr>
           <a:xfrm>
-            <a:off x="420998" y="1940396"/>
-            <a:ext cx="7335857" cy="3415743"/>
+            <a:off x="420998" y="342827"/>
+            <a:ext cx="3581159" cy="3415743"/>
           </a:xfrm>
           <a:prstGeom prst="rect">
             <a:avLst/>
@@ -13595,8 +14191,8 @@
         </p:nvSpPr>
         <p:spPr>
           <a:xfrm>
-            <a:off x="7831522" y="1940395"/>
-            <a:ext cx="4183200" cy="3415744"/>
+            <a:off x="7831522" y="342824"/>
+            <a:ext cx="4183200" cy="9069382"/>
           </a:xfrm>
           <a:prstGeom prst="rect">
             <a:avLst/>
@@ -13633,10 +14229,10 @@
       </p:sp>
       <p:sp>
         <p:nvSpPr>
-          <p:cNvPr id="13" name="Google Shape;63;p14">
-            <a:extLst>
-              <a:ext uri="{FF2B5EF4-FFF2-40B4-BE49-F238E27FC236}">
-                <a16:creationId xmlns:a16="http://schemas.microsoft.com/office/drawing/2014/main" id="{5E524090-72FF-4C96-8CBB-8224ABD42566}"/>
+          <p:cNvPr id="14" name="Google Shape;63;p14">
+            <a:extLst>
+              <a:ext uri="{FF2B5EF4-FFF2-40B4-BE49-F238E27FC236}">
+                <a16:creationId xmlns:a16="http://schemas.microsoft.com/office/drawing/2014/main" id="{B18E1301-49CE-40AD-8852-539BBA6679B2}"/>
               </a:ext>
             </a:extLst>
           </p:cNvPr>
@@ -13645,8 +14241,8 @@
         </p:nvSpPr>
         <p:spPr>
           <a:xfrm>
-            <a:off x="7831522" y="5440873"/>
-            <a:ext cx="4183200" cy="3415744"/>
+            <a:off x="420998" y="3843305"/>
+            <a:ext cx="7298397" cy="2938546"/>
           </a:xfrm>
           <a:prstGeom prst="rect">
             <a:avLst/>
@@ -13683,56 +14279,6 @@
       </p:sp>
       <p:sp>
         <p:nvSpPr>
-          <p:cNvPr id="14" name="Google Shape;63;p14">
-            <a:extLst>
-              <a:ext uri="{FF2B5EF4-FFF2-40B4-BE49-F238E27FC236}">
-                <a16:creationId xmlns:a16="http://schemas.microsoft.com/office/drawing/2014/main" id="{B18E1301-49CE-40AD-8852-539BBA6679B2}"/>
-              </a:ext>
-            </a:extLst>
-          </p:cNvPr>
-          <p:cNvSpPr/>
-          <p:nvPr/>
-        </p:nvSpPr>
-        <p:spPr>
-          <a:xfrm>
-            <a:off x="420998" y="5440873"/>
-            <a:ext cx="7335857" cy="3415743"/>
-          </a:xfrm>
-          <a:prstGeom prst="rect">
-            <a:avLst/>
-          </a:prstGeom>
-          <a:noFill/>
-          <a:ln w="9525" cap="flat" cmpd="sng">
-            <a:solidFill>
-              <a:srgbClr val="595959"/>
-            </a:solidFill>
-            <a:prstDash val="dot"/>
-            <a:round/>
-            <a:headEnd type="none" w="sm" len="sm"/>
-            <a:tailEnd type="none" w="sm" len="sm"/>
-          </a:ln>
-        </p:spPr>
-        <p:txBody>
-          <a:bodyPr spcFirstLastPara="1" wrap="square" lIns="91425" tIns="91425" rIns="91425" bIns="91425" anchor="ctr" anchorCtr="0">
-            <a:noAutofit/>
-          </a:bodyPr>
-          <a:lstStyle/>
-          <a:p>
-            <a:pPr marL="0" lvl="0" indent="0" algn="l" rtl="0">
-              <a:spcBef>
-                <a:spcPts val="0"/>
-              </a:spcBef>
-              <a:spcAft>
-                <a:spcPts val="0"/>
-              </a:spcAft>
-              <a:buNone/>
-            </a:pPr>
-            <a:endParaRPr/>
-          </a:p>
-        </p:txBody>
-      </p:sp>
-      <p:sp>
-        <p:nvSpPr>
           <p:cNvPr id="15" name="TextBox 14">
             <a:extLst>
               <a:ext uri="{FF2B5EF4-FFF2-40B4-BE49-F238E27FC236}">
@@ -13745,7 +14291,7 @@
         </p:nvSpPr>
         <p:spPr>
           <a:xfrm>
-            <a:off x="7166427" y="5012186"/>
+            <a:off x="3389553" y="3414617"/>
             <a:ext cx="701625" cy="369332"/>
           </a:xfrm>
           <a:prstGeom prst="rect">
@@ -13781,7 +14327,43 @@
         </p:nvSpPr>
         <p:spPr>
           <a:xfrm>
-            <a:off x="11448020" y="8537389"/>
+            <a:off x="11448020" y="9074402"/>
+            <a:ext cx="701625" cy="369332"/>
+          </a:xfrm>
+          <a:prstGeom prst="rect">
+            <a:avLst/>
+          </a:prstGeom>
+          <a:noFill/>
+        </p:spPr>
+        <p:txBody>
+          <a:bodyPr wrap="square" rtlCol="0">
+            <a:spAutoFit/>
+          </a:bodyPr>
+          <a:lstStyle/>
+          <a:p>
+            <a:pPr algn="ctr"/>
+            <a:r>
+              <a:rPr lang="en-US" b="1" dirty="0"/>
+              <a:t>C</a:t>
+            </a:r>
+          </a:p>
+        </p:txBody>
+      </p:sp>
+      <p:sp>
+        <p:nvSpPr>
+          <p:cNvPr id="17" name="TextBox 16">
+            <a:extLst>
+              <a:ext uri="{FF2B5EF4-FFF2-40B4-BE49-F238E27FC236}">
+                <a16:creationId xmlns:a16="http://schemas.microsoft.com/office/drawing/2014/main" id="{4832F7D6-AD46-4673-8C97-69B50455C835}"/>
+              </a:ext>
+            </a:extLst>
+          </p:cNvPr>
+          <p:cNvSpPr txBox="1"/>
+          <p:nvPr/>
+        </p:nvSpPr>
+        <p:spPr>
+          <a:xfrm>
+            <a:off x="7180248" y="6435821"/>
             <a:ext cx="701625" cy="369332"/>
           </a:xfrm>
           <a:prstGeom prst="rect">
@@ -13805,10 +14387,10 @@
       </p:sp>
       <p:sp>
         <p:nvSpPr>
-          <p:cNvPr id="17" name="TextBox 16">
-            <a:extLst>
-              <a:ext uri="{FF2B5EF4-FFF2-40B4-BE49-F238E27FC236}">
-                <a16:creationId xmlns:a16="http://schemas.microsoft.com/office/drawing/2014/main" id="{4832F7D6-AD46-4673-8C97-69B50455C835}"/>
+          <p:cNvPr id="18" name="TextBox 17">
+            <a:extLst>
+              <a:ext uri="{FF2B5EF4-FFF2-40B4-BE49-F238E27FC236}">
+                <a16:creationId xmlns:a16="http://schemas.microsoft.com/office/drawing/2014/main" id="{447BC501-B944-4358-9645-6975565C6585}"/>
               </a:ext>
             </a:extLst>
           </p:cNvPr>
@@ -13817,43 +14399,7 @@
         </p:nvSpPr>
         <p:spPr>
           <a:xfrm>
-            <a:off x="7166427" y="8537389"/>
-            <a:ext cx="701625" cy="369332"/>
-          </a:xfrm>
-          <a:prstGeom prst="rect">
-            <a:avLst/>
-          </a:prstGeom>
-          <a:noFill/>
-        </p:spPr>
-        <p:txBody>
-          <a:bodyPr wrap="square" rtlCol="0">
-            <a:spAutoFit/>
-          </a:bodyPr>
-          <a:lstStyle/>
-          <a:p>
-            <a:pPr algn="ctr"/>
-            <a:r>
-              <a:rPr lang="en-US" b="1" dirty="0"/>
-              <a:t>C</a:t>
-            </a:r>
-          </a:p>
-        </p:txBody>
-      </p:sp>
-      <p:sp>
-        <p:nvSpPr>
-          <p:cNvPr id="18" name="TextBox 17">
-            <a:extLst>
-              <a:ext uri="{FF2B5EF4-FFF2-40B4-BE49-F238E27FC236}">
-                <a16:creationId xmlns:a16="http://schemas.microsoft.com/office/drawing/2014/main" id="{447BC501-B944-4358-9645-6975565C6585}"/>
-              </a:ext>
-            </a:extLst>
-          </p:cNvPr>
-          <p:cNvSpPr txBox="1"/>
-          <p:nvPr/>
-        </p:nvSpPr>
-        <p:spPr>
-          <a:xfrm>
-            <a:off x="11448020" y="5012186"/>
+            <a:off x="7180248" y="3414617"/>
             <a:ext cx="701625" cy="369332"/>
           </a:xfrm>
           <a:prstGeom prst="rect">
@@ -13875,10 +14421,641 @@
           </a:p>
         </p:txBody>
       </p:sp>
+      <p:pic>
+        <p:nvPicPr>
+          <p:cNvPr id="6" name="Picture 5">
+            <a:extLst>
+              <a:ext uri="{FF2B5EF4-FFF2-40B4-BE49-F238E27FC236}">
+                <a16:creationId xmlns:a16="http://schemas.microsoft.com/office/drawing/2014/main" id="{E329E19B-E6C6-4CE5-A954-AB25EAE8B585}"/>
+              </a:ext>
+            </a:extLst>
+          </p:cNvPr>
+          <p:cNvPicPr>
+            <a:picLocks noChangeAspect="1"/>
+          </p:cNvPicPr>
+          <p:nvPr/>
+        </p:nvPicPr>
+        <p:blipFill>
+          <a:blip r:embed="rId6"/>
+          <a:stretch>
+            <a:fillRect/>
+          </a:stretch>
+        </p:blipFill>
+        <p:spPr>
+          <a:xfrm>
+            <a:off x="4566930" y="588987"/>
+            <a:ext cx="2872140" cy="2865522"/>
+          </a:xfrm>
+          <a:prstGeom prst="rect">
+            <a:avLst/>
+          </a:prstGeom>
+        </p:spPr>
+      </p:pic>
+      <p:sp>
+        <p:nvSpPr>
+          <p:cNvPr id="19" name="Google Shape;63;p14">
+            <a:extLst>
+              <a:ext uri="{FF2B5EF4-FFF2-40B4-BE49-F238E27FC236}">
+                <a16:creationId xmlns:a16="http://schemas.microsoft.com/office/drawing/2014/main" id="{2529CD59-F30F-4DD1-A678-9AEC7D44329F}"/>
+              </a:ext>
+            </a:extLst>
+          </p:cNvPr>
+          <p:cNvSpPr/>
+          <p:nvPr/>
+        </p:nvSpPr>
+        <p:spPr>
+          <a:xfrm>
+            <a:off x="4138236" y="336201"/>
+            <a:ext cx="3581159" cy="3415743"/>
+          </a:xfrm>
+          <a:prstGeom prst="rect">
+            <a:avLst/>
+          </a:prstGeom>
+          <a:noFill/>
+          <a:ln w="9525" cap="flat" cmpd="sng">
+            <a:solidFill>
+              <a:srgbClr val="595959"/>
+            </a:solidFill>
+            <a:prstDash val="dot"/>
+            <a:round/>
+            <a:headEnd type="none" w="sm" len="sm"/>
+            <a:tailEnd type="none" w="sm" len="sm"/>
+          </a:ln>
+        </p:spPr>
+        <p:txBody>
+          <a:bodyPr spcFirstLastPara="1" wrap="square" lIns="91425" tIns="91425" rIns="91425" bIns="91425" anchor="ctr" anchorCtr="0">
+            <a:noAutofit/>
+          </a:bodyPr>
+          <a:lstStyle/>
+          <a:p>
+            <a:pPr marL="0" lvl="0" indent="0" algn="l" rtl="0">
+              <a:spcBef>
+                <a:spcPts val="0"/>
+              </a:spcBef>
+              <a:spcAft>
+                <a:spcPts val="0"/>
+              </a:spcAft>
+              <a:buNone/>
+            </a:pPr>
+            <a:endParaRPr/>
+          </a:p>
+        </p:txBody>
+      </p:sp>
+      <p:pic>
+        <p:nvPicPr>
+          <p:cNvPr id="9" name="Picture 8">
+            <a:extLst>
+              <a:ext uri="{FF2B5EF4-FFF2-40B4-BE49-F238E27FC236}">
+                <a16:creationId xmlns:a16="http://schemas.microsoft.com/office/drawing/2014/main" id="{ECB2A406-7B7E-4913-8FF8-56697FAE5F0C}"/>
+              </a:ext>
+            </a:extLst>
+          </p:cNvPr>
+          <p:cNvPicPr>
+            <a:picLocks noChangeAspect="1"/>
+          </p:cNvPicPr>
+          <p:nvPr/>
+        </p:nvPicPr>
+        <p:blipFill>
+          <a:blip r:embed="rId7"/>
+          <a:stretch>
+            <a:fillRect/>
+          </a:stretch>
+        </p:blipFill>
+        <p:spPr>
+          <a:xfrm>
+            <a:off x="7884072" y="4243832"/>
+            <a:ext cx="3991529" cy="1297859"/>
+          </a:xfrm>
+          <a:prstGeom prst="rect">
+            <a:avLst/>
+          </a:prstGeom>
+        </p:spPr>
+      </p:pic>
+      <p:pic>
+        <p:nvPicPr>
+          <p:cNvPr id="22" name="Picture 21">
+            <a:extLst>
+              <a:ext uri="{FF2B5EF4-FFF2-40B4-BE49-F238E27FC236}">
+                <a16:creationId xmlns:a16="http://schemas.microsoft.com/office/drawing/2014/main" id="{38D26B51-282E-4233-AE7F-025B67B98D0C}"/>
+              </a:ext>
+            </a:extLst>
+          </p:cNvPr>
+          <p:cNvPicPr>
+            <a:picLocks noChangeAspect="1"/>
+          </p:cNvPicPr>
+          <p:nvPr/>
+        </p:nvPicPr>
+        <p:blipFill>
+          <a:blip r:embed="rId8"/>
+          <a:stretch>
+            <a:fillRect/>
+          </a:stretch>
+        </p:blipFill>
+        <p:spPr>
+          <a:xfrm>
+            <a:off x="4448732" y="3888831"/>
+            <a:ext cx="2990338" cy="2893019"/>
+          </a:xfrm>
+          <a:prstGeom prst="rect">
+            <a:avLst/>
+          </a:prstGeom>
+        </p:spPr>
+      </p:pic>
+      <p:sp>
+        <p:nvSpPr>
+          <p:cNvPr id="25" name="Google Shape;63;p14">
+            <a:extLst>
+              <a:ext uri="{FF2B5EF4-FFF2-40B4-BE49-F238E27FC236}">
+                <a16:creationId xmlns:a16="http://schemas.microsoft.com/office/drawing/2014/main" id="{F4718CA2-C941-4C34-A438-74B56C7D3809}"/>
+              </a:ext>
+            </a:extLst>
+          </p:cNvPr>
+          <p:cNvSpPr/>
+          <p:nvPr/>
+        </p:nvSpPr>
+        <p:spPr>
+          <a:xfrm>
+            <a:off x="415748" y="6865018"/>
+            <a:ext cx="7298397" cy="2547188"/>
+          </a:xfrm>
+          <a:prstGeom prst="rect">
+            <a:avLst/>
+          </a:prstGeom>
+          <a:noFill/>
+          <a:ln w="9525" cap="flat" cmpd="sng">
+            <a:solidFill>
+              <a:srgbClr val="595959"/>
+            </a:solidFill>
+            <a:prstDash val="dot"/>
+            <a:round/>
+            <a:headEnd type="none" w="sm" len="sm"/>
+            <a:tailEnd type="none" w="sm" len="sm"/>
+          </a:ln>
+        </p:spPr>
+        <p:txBody>
+          <a:bodyPr spcFirstLastPara="1" wrap="square" lIns="91425" tIns="91425" rIns="91425" bIns="91425" anchor="ctr" anchorCtr="0">
+            <a:noAutofit/>
+          </a:bodyPr>
+          <a:lstStyle/>
+          <a:p>
+            <a:pPr marL="0" lvl="0" indent="0" algn="l" rtl="0">
+              <a:spcBef>
+                <a:spcPts val="0"/>
+              </a:spcBef>
+              <a:spcAft>
+                <a:spcPts val="0"/>
+              </a:spcAft>
+              <a:buNone/>
+            </a:pPr>
+            <a:endParaRPr/>
+          </a:p>
+        </p:txBody>
+      </p:sp>
+      <p:pic>
+        <p:nvPicPr>
+          <p:cNvPr id="29" name="Picture 28">
+            <a:extLst>
+              <a:ext uri="{FF2B5EF4-FFF2-40B4-BE49-F238E27FC236}">
+                <a16:creationId xmlns:a16="http://schemas.microsoft.com/office/drawing/2014/main" id="{394874C6-CD22-4B14-B0A2-DD6186765B17}"/>
+              </a:ext>
+            </a:extLst>
+          </p:cNvPr>
+          <p:cNvPicPr>
+            <a:picLocks noChangeAspect="1"/>
+          </p:cNvPicPr>
+          <p:nvPr/>
+        </p:nvPicPr>
+        <p:blipFill>
+          <a:blip r:embed="rId9"/>
+          <a:stretch>
+            <a:fillRect/>
+          </a:stretch>
+        </p:blipFill>
+        <p:spPr>
+          <a:xfrm>
+            <a:off x="6620222" y="7892387"/>
+            <a:ext cx="409575" cy="400050"/>
+          </a:xfrm>
+          <a:prstGeom prst="rect">
+            <a:avLst/>
+          </a:prstGeom>
+        </p:spPr>
+      </p:pic>
+      <p:pic>
+        <p:nvPicPr>
+          <p:cNvPr id="30" name="Picture 29">
+            <a:extLst>
+              <a:ext uri="{FF2B5EF4-FFF2-40B4-BE49-F238E27FC236}">
+                <a16:creationId xmlns:a16="http://schemas.microsoft.com/office/drawing/2014/main" id="{A2948A5A-EA49-4956-8085-191A83F0497E}"/>
+              </a:ext>
+            </a:extLst>
+          </p:cNvPr>
+          <p:cNvPicPr>
+            <a:picLocks noChangeAspect="1"/>
+          </p:cNvPicPr>
+          <p:nvPr/>
+        </p:nvPicPr>
+        <p:blipFill>
+          <a:blip r:embed="rId10"/>
+          <a:stretch>
+            <a:fillRect/>
+          </a:stretch>
+        </p:blipFill>
+        <p:spPr>
+          <a:xfrm>
+            <a:off x="3719277" y="6983813"/>
+            <a:ext cx="2902652" cy="2327799"/>
+          </a:xfrm>
+          <a:prstGeom prst="rect">
+            <a:avLst/>
+          </a:prstGeom>
+        </p:spPr>
+      </p:pic>
+      <p:sp>
+        <p:nvSpPr>
+          <p:cNvPr id="31" name="TextBox 30">
+            <a:extLst>
+              <a:ext uri="{FF2B5EF4-FFF2-40B4-BE49-F238E27FC236}">
+                <a16:creationId xmlns:a16="http://schemas.microsoft.com/office/drawing/2014/main" id="{DAC09343-52A5-469D-9B86-92D954DA3D76}"/>
+              </a:ext>
+            </a:extLst>
+          </p:cNvPr>
+          <p:cNvSpPr txBox="1"/>
+          <p:nvPr/>
+        </p:nvSpPr>
+        <p:spPr>
+          <a:xfrm>
+            <a:off x="7180248" y="9074402"/>
+            <a:ext cx="701625" cy="369332"/>
+          </a:xfrm>
+          <a:prstGeom prst="rect">
+            <a:avLst/>
+          </a:prstGeom>
+          <a:noFill/>
+        </p:spPr>
+        <p:txBody>
+          <a:bodyPr wrap="square" rtlCol="0">
+            <a:spAutoFit/>
+          </a:bodyPr>
+          <a:lstStyle/>
+          <a:p>
+            <a:pPr algn="ctr"/>
+            <a:r>
+              <a:rPr lang="en-US" b="1" dirty="0"/>
+              <a:t>E</a:t>
+            </a:r>
+          </a:p>
+        </p:txBody>
+      </p:sp>
+      <p:pic>
+        <p:nvPicPr>
+          <p:cNvPr id="34" name="Picture 33">
+            <a:extLst>
+              <a:ext uri="{FF2B5EF4-FFF2-40B4-BE49-F238E27FC236}">
+                <a16:creationId xmlns:a16="http://schemas.microsoft.com/office/drawing/2014/main" id="{8B2BE4FF-5008-4752-9EF3-7714F0EC42B9}"/>
+              </a:ext>
+            </a:extLst>
+          </p:cNvPr>
+          <p:cNvPicPr>
+            <a:picLocks noChangeAspect="1"/>
+          </p:cNvPicPr>
+          <p:nvPr/>
+        </p:nvPicPr>
+        <p:blipFill>
+          <a:blip r:embed="rId11"/>
+          <a:stretch>
+            <a:fillRect/>
+          </a:stretch>
+        </p:blipFill>
+        <p:spPr>
+          <a:xfrm>
+            <a:off x="530086" y="4069879"/>
+            <a:ext cx="3476625" cy="2495550"/>
+          </a:xfrm>
+          <a:prstGeom prst="rect">
+            <a:avLst/>
+          </a:prstGeom>
+        </p:spPr>
+      </p:pic>
+      <p:sp>
+        <p:nvSpPr>
+          <p:cNvPr id="35" name="TextBox 34">
+            <a:extLst>
+              <a:ext uri="{FF2B5EF4-FFF2-40B4-BE49-F238E27FC236}">
+                <a16:creationId xmlns:a16="http://schemas.microsoft.com/office/drawing/2014/main" id="{41487B50-8B3B-46EB-949F-8C5266F8E720}"/>
+              </a:ext>
+            </a:extLst>
+          </p:cNvPr>
+          <p:cNvSpPr txBox="1"/>
+          <p:nvPr/>
+        </p:nvSpPr>
+        <p:spPr>
+          <a:xfrm>
+            <a:off x="308871" y="4235669"/>
+            <a:ext cx="840827" cy="276999"/>
+          </a:xfrm>
+          <a:prstGeom prst="rect">
+            <a:avLst/>
+          </a:prstGeom>
+          <a:noFill/>
+        </p:spPr>
+        <p:txBody>
+          <a:bodyPr wrap="square" rtlCol="0">
+            <a:spAutoFit/>
+          </a:bodyPr>
+          <a:lstStyle/>
+          <a:p>
+            <a:pPr algn="ctr"/>
+            <a:r>
+              <a:rPr lang="en-US" sz="1200" b="1" dirty="0"/>
+              <a:t>CHEK2</a:t>
+            </a:r>
+          </a:p>
+        </p:txBody>
+      </p:sp>
+      <p:sp>
+        <p:nvSpPr>
+          <p:cNvPr id="36" name="TextBox 35">
+            <a:extLst>
+              <a:ext uri="{FF2B5EF4-FFF2-40B4-BE49-F238E27FC236}">
+                <a16:creationId xmlns:a16="http://schemas.microsoft.com/office/drawing/2014/main" id="{2757CC9C-3715-44D2-BAFB-0DD49AA00251}"/>
+              </a:ext>
+            </a:extLst>
+          </p:cNvPr>
+          <p:cNvSpPr txBox="1"/>
+          <p:nvPr/>
+        </p:nvSpPr>
+        <p:spPr>
+          <a:xfrm>
+            <a:off x="3411679" y="4235668"/>
+            <a:ext cx="840827" cy="276999"/>
+          </a:xfrm>
+          <a:prstGeom prst="rect">
+            <a:avLst/>
+          </a:prstGeom>
+          <a:noFill/>
+        </p:spPr>
+        <p:txBody>
+          <a:bodyPr wrap="square" rtlCol="0">
+            <a:spAutoFit/>
+          </a:bodyPr>
+          <a:lstStyle/>
+          <a:p>
+            <a:pPr algn="ctr"/>
+            <a:r>
+              <a:rPr lang="en-US" sz="1200" b="1" dirty="0"/>
+              <a:t>MDM4</a:t>
+            </a:r>
+          </a:p>
+        </p:txBody>
+      </p:sp>
+      <p:cxnSp>
+        <p:nvCxnSpPr>
+          <p:cNvPr id="38" name="Connector: Elbow 37">
+            <a:extLst>
+              <a:ext uri="{FF2B5EF4-FFF2-40B4-BE49-F238E27FC236}">
+                <a16:creationId xmlns:a16="http://schemas.microsoft.com/office/drawing/2014/main" id="{7304E646-C813-4160-9A23-007248792887}"/>
+              </a:ext>
+            </a:extLst>
+          </p:cNvPr>
+          <p:cNvCxnSpPr>
+            <a:cxnSpLocks/>
+          </p:cNvCxnSpPr>
+          <p:nvPr/>
+        </p:nvCxnSpPr>
+        <p:spPr>
+          <a:xfrm flipV="1">
+            <a:off x="1149698" y="4246496"/>
+            <a:ext cx="3214935" cy="984410"/>
+          </a:xfrm>
+          <a:prstGeom prst="bentConnector3">
+            <a:avLst>
+              <a:gd name="adj1" fmla="val 17"/>
+            </a:avLst>
+          </a:prstGeom>
+          <a:ln>
+            <a:solidFill>
+              <a:schemeClr val="tx1"/>
+            </a:solidFill>
+            <a:prstDash val="dash"/>
+            <a:tailEnd type="triangle"/>
+          </a:ln>
+        </p:spPr>
+        <p:style>
+          <a:lnRef idx="1">
+            <a:schemeClr val="accent1"/>
+          </a:lnRef>
+          <a:fillRef idx="0">
+            <a:schemeClr val="accent1"/>
+          </a:fillRef>
+          <a:effectRef idx="0">
+            <a:schemeClr val="accent1"/>
+          </a:effectRef>
+          <a:fontRef idx="minor">
+            <a:schemeClr val="tx1"/>
+          </a:fontRef>
+        </p:style>
+      </p:cxnSp>
+      <p:cxnSp>
+        <p:nvCxnSpPr>
+          <p:cNvPr id="41" name="Connector: Elbow 40">
+            <a:extLst>
+              <a:ext uri="{FF2B5EF4-FFF2-40B4-BE49-F238E27FC236}">
+                <a16:creationId xmlns:a16="http://schemas.microsoft.com/office/drawing/2014/main" id="{1A0502D1-2117-447C-B0E0-E5FAC4EC1E77}"/>
+              </a:ext>
+            </a:extLst>
+          </p:cNvPr>
+          <p:cNvCxnSpPr/>
+          <p:nvPr/>
+        </p:nvCxnSpPr>
+        <p:spPr>
+          <a:xfrm>
+            <a:off x="2268398" y="5386379"/>
+            <a:ext cx="2130765" cy="898601"/>
+          </a:xfrm>
+          <a:prstGeom prst="bentConnector3">
+            <a:avLst>
+              <a:gd name="adj1" fmla="val 180"/>
+            </a:avLst>
+          </a:prstGeom>
+          <a:ln>
+            <a:solidFill>
+              <a:schemeClr val="tx1"/>
+            </a:solidFill>
+            <a:prstDash val="dash"/>
+            <a:tailEnd type="triangle"/>
+          </a:ln>
+        </p:spPr>
+        <p:style>
+          <a:lnRef idx="1">
+            <a:schemeClr val="accent1"/>
+          </a:lnRef>
+          <a:fillRef idx="0">
+            <a:schemeClr val="accent1"/>
+          </a:fillRef>
+          <a:effectRef idx="0">
+            <a:schemeClr val="accent1"/>
+          </a:effectRef>
+          <a:fontRef idx="minor">
+            <a:schemeClr val="tx1"/>
+          </a:fontRef>
+        </p:style>
+      </p:cxnSp>
+      <p:cxnSp>
+        <p:nvCxnSpPr>
+          <p:cNvPr id="50" name="Straight Arrow Connector 49">
+            <a:extLst>
+              <a:ext uri="{FF2B5EF4-FFF2-40B4-BE49-F238E27FC236}">
+                <a16:creationId xmlns:a16="http://schemas.microsoft.com/office/drawing/2014/main" id="{C44E0643-079F-40BA-BC74-C0355EC71043}"/>
+              </a:ext>
+            </a:extLst>
+          </p:cNvPr>
+          <p:cNvCxnSpPr>
+            <a:cxnSpLocks/>
+          </p:cNvCxnSpPr>
+          <p:nvPr/>
+        </p:nvCxnSpPr>
+        <p:spPr>
+          <a:xfrm>
+            <a:off x="3605048" y="5312578"/>
+            <a:ext cx="759585" cy="0"/>
+          </a:xfrm>
+          <a:prstGeom prst="straightConnector1">
+            <a:avLst/>
+          </a:prstGeom>
+          <a:ln>
+            <a:solidFill>
+              <a:schemeClr val="tx1"/>
+            </a:solidFill>
+            <a:prstDash val="dash"/>
+            <a:tailEnd type="triangle"/>
+          </a:ln>
+        </p:spPr>
+        <p:style>
+          <a:lnRef idx="1">
+            <a:schemeClr val="accent1"/>
+          </a:lnRef>
+          <a:fillRef idx="0">
+            <a:schemeClr val="accent1"/>
+          </a:fillRef>
+          <a:effectRef idx="0">
+            <a:schemeClr val="accent1"/>
+          </a:effectRef>
+          <a:fontRef idx="minor">
+            <a:schemeClr val="tx1"/>
+          </a:fontRef>
+        </p:style>
+      </p:cxnSp>
+      <p:sp>
+        <p:nvSpPr>
+          <p:cNvPr id="64" name="TextBox 63">
+            <a:extLst>
+              <a:ext uri="{FF2B5EF4-FFF2-40B4-BE49-F238E27FC236}">
+                <a16:creationId xmlns:a16="http://schemas.microsoft.com/office/drawing/2014/main" id="{D1C67C71-4E60-4F7D-8548-A58F2656900D}"/>
+              </a:ext>
+            </a:extLst>
+          </p:cNvPr>
+          <p:cNvSpPr txBox="1"/>
+          <p:nvPr/>
+        </p:nvSpPr>
+        <p:spPr>
+          <a:xfrm>
+            <a:off x="6901189" y="8026259"/>
+            <a:ext cx="744027" cy="230832"/>
+          </a:xfrm>
+          <a:prstGeom prst="rect">
+            <a:avLst/>
+          </a:prstGeom>
+          <a:noFill/>
+        </p:spPr>
+        <p:txBody>
+          <a:bodyPr wrap="square" rtlCol="0">
+            <a:spAutoFit/>
+          </a:bodyPr>
+          <a:lstStyle/>
+          <a:p>
+            <a:r>
+              <a:rPr lang="en-US" sz="900" b="1" dirty="0"/>
+              <a:t>TP53</a:t>
+            </a:r>
+          </a:p>
+        </p:txBody>
+      </p:sp>
+      <p:sp>
+        <p:nvSpPr>
+          <p:cNvPr id="65" name="TextBox 64">
+            <a:extLst>
+              <a:ext uri="{FF2B5EF4-FFF2-40B4-BE49-F238E27FC236}">
+                <a16:creationId xmlns:a16="http://schemas.microsoft.com/office/drawing/2014/main" id="{BB8E2001-1E61-4AB1-92FE-2CFE62B1D3C6}"/>
+              </a:ext>
+            </a:extLst>
+          </p:cNvPr>
+          <p:cNvSpPr txBox="1"/>
+          <p:nvPr/>
+        </p:nvSpPr>
+        <p:spPr>
+          <a:xfrm>
+            <a:off x="6901189" y="7914065"/>
+            <a:ext cx="840827" cy="230832"/>
+          </a:xfrm>
+          <a:prstGeom prst="rect">
+            <a:avLst/>
+          </a:prstGeom>
+          <a:noFill/>
+        </p:spPr>
+        <p:txBody>
+          <a:bodyPr wrap="square" rtlCol="0">
+            <a:spAutoFit/>
+          </a:bodyPr>
+          <a:lstStyle/>
+          <a:p>
+            <a:r>
+              <a:rPr lang="en-US" sz="900" b="1" dirty="0"/>
+              <a:t>BCAR3</a:t>
+            </a:r>
+          </a:p>
+        </p:txBody>
+      </p:sp>
+      <p:sp>
+        <p:nvSpPr>
+          <p:cNvPr id="66" name="TextBox 65">
+            <a:extLst>
+              <a:ext uri="{FF2B5EF4-FFF2-40B4-BE49-F238E27FC236}">
+                <a16:creationId xmlns:a16="http://schemas.microsoft.com/office/drawing/2014/main" id="{7551B41D-A8D5-4B4F-A50B-8FF027E5E8E1}"/>
+              </a:ext>
+            </a:extLst>
+          </p:cNvPr>
+          <p:cNvSpPr txBox="1"/>
+          <p:nvPr/>
+        </p:nvSpPr>
+        <p:spPr>
+          <a:xfrm>
+            <a:off x="4358514" y="9089154"/>
+            <a:ext cx="1861812" cy="230832"/>
+          </a:xfrm>
+          <a:prstGeom prst="rect">
+            <a:avLst/>
+          </a:prstGeom>
+          <a:noFill/>
+        </p:spPr>
+        <p:txBody>
+          <a:bodyPr wrap="square" rtlCol="0">
+            <a:spAutoFit/>
+          </a:bodyPr>
+          <a:lstStyle/>
+          <a:p>
+            <a:pPr algn="ctr"/>
+            <a:r>
+              <a:rPr lang="en-US" sz="900" b="1" dirty="0"/>
+              <a:t>Number of edges</a:t>
+            </a:r>
+          </a:p>
+        </p:txBody>
+      </p:sp>
     </p:spTree>
     <p:extLst>
       <p:ext uri="{BB962C8B-B14F-4D97-AF65-F5344CB8AC3E}">
-        <p14:creationId xmlns:p14="http://schemas.microsoft.com/office/powerpoint/2010/main" val="703110488"/>
+        <p14:creationId xmlns:p14="http://schemas.microsoft.com/office/powerpoint/2010/main" val="2142431521"/>
       </p:ext>
     </p:extLst>
   </p:cSld>
@@ -13888,7 +15065,7 @@
 </p:sld>
 </file>
 
-<file path=ppt/slides/slide3.xml><?xml version="1.0" encoding="utf-8"?>
+<file path=ppt/slides/slide4.xml><?xml version="1.0" encoding="utf-8"?>
 <p:sld xmlns:a="http://schemas.openxmlformats.org/drawingml/2006/main" xmlns:r="http://schemas.openxmlformats.org/officeDocument/2006/relationships" xmlns:p="http://schemas.openxmlformats.org/presentationml/2006/main">
   <p:cSld>
     <p:spTree>
